--- a/notes/reading-code.pptx
+++ b/notes/reading-code.pptx
@@ -222,7 +222,7 @@
           <a:p>
             <a:fld id="{8A1B613A-EFF1-404F-BEE8-EFAE84A4E5E2}" type="datetimeFigureOut">
               <a:rPr lang="en-US" smtClean="0"/>
-              <a:t>3/26/21</a:t>
+              <a:t>1/25/2023</a:t>
             </a:fld>
             <a:endParaRPr lang="en-US"/>
           </a:p>
@@ -387,7 +387,7 @@
           <a:p>
             <a:fld id="{690847EA-AC25-3D4E-89E1-FD3F6A9702B6}" type="datetimeFigureOut">
               <a:rPr lang="en-US" smtClean="0"/>
-              <a:t>3/26/21</a:t>
+              <a:t>1/25/2023</a:t>
             </a:fld>
             <a:endParaRPr lang="en-US"/>
           </a:p>
@@ -801,7 +801,7 @@
           <a:p>
             <a:fld id="{BE5295ED-3BAF-1140-8495-3D368771D6B1}" type="datetimeFigureOut">
               <a:rPr lang="en-US" smtClean="0"/>
-              <a:t>3/26/21</a:t>
+              <a:t>1/25/2023</a:t>
             </a:fld>
             <a:endParaRPr lang="en-US"/>
           </a:p>
@@ -999,7 +999,7 @@
           <a:p>
             <a:fld id="{BE5295ED-3BAF-1140-8495-3D368771D6B1}" type="datetimeFigureOut">
               <a:rPr lang="en-US" smtClean="0"/>
-              <a:t>3/26/21</a:t>
+              <a:t>1/25/2023</a:t>
             </a:fld>
             <a:endParaRPr lang="en-US"/>
           </a:p>
@@ -1207,7 +1207,7 @@
           <a:p>
             <a:fld id="{BE5295ED-3BAF-1140-8495-3D368771D6B1}" type="datetimeFigureOut">
               <a:rPr lang="en-US" smtClean="0"/>
-              <a:t>3/26/21</a:t>
+              <a:t>1/25/2023</a:t>
             </a:fld>
             <a:endParaRPr lang="en-US"/>
           </a:p>
@@ -1405,7 +1405,7 @@
           <a:p>
             <a:fld id="{BE5295ED-3BAF-1140-8495-3D368771D6B1}" type="datetimeFigureOut">
               <a:rPr lang="en-US" smtClean="0"/>
-              <a:t>3/26/21</a:t>
+              <a:t>1/25/2023</a:t>
             </a:fld>
             <a:endParaRPr lang="en-US"/>
           </a:p>
@@ -1680,7 +1680,7 @@
           <a:p>
             <a:fld id="{BE5295ED-3BAF-1140-8495-3D368771D6B1}" type="datetimeFigureOut">
               <a:rPr lang="en-US" smtClean="0"/>
-              <a:t>3/26/21</a:t>
+              <a:t>1/25/2023</a:t>
             </a:fld>
             <a:endParaRPr lang="en-US"/>
           </a:p>
@@ -1945,7 +1945,7 @@
           <a:p>
             <a:fld id="{BE5295ED-3BAF-1140-8495-3D368771D6B1}" type="datetimeFigureOut">
               <a:rPr lang="en-US" smtClean="0"/>
-              <a:t>3/26/21</a:t>
+              <a:t>1/25/2023</a:t>
             </a:fld>
             <a:endParaRPr lang="en-US"/>
           </a:p>
@@ -2357,7 +2357,7 @@
           <a:p>
             <a:fld id="{BE5295ED-3BAF-1140-8495-3D368771D6B1}" type="datetimeFigureOut">
               <a:rPr lang="en-US" smtClean="0"/>
-              <a:t>3/26/21</a:t>
+              <a:t>1/25/2023</a:t>
             </a:fld>
             <a:endParaRPr lang="en-US"/>
           </a:p>
@@ -2498,7 +2498,7 @@
           <a:p>
             <a:fld id="{BE5295ED-3BAF-1140-8495-3D368771D6B1}" type="datetimeFigureOut">
               <a:rPr lang="en-US" smtClean="0"/>
-              <a:t>3/26/21</a:t>
+              <a:t>1/25/2023</a:t>
             </a:fld>
             <a:endParaRPr lang="en-US"/>
           </a:p>
@@ -2611,7 +2611,7 @@
           <a:p>
             <a:fld id="{BE5295ED-3BAF-1140-8495-3D368771D6B1}" type="datetimeFigureOut">
               <a:rPr lang="en-US" smtClean="0"/>
-              <a:t>3/26/21</a:t>
+              <a:t>1/25/2023</a:t>
             </a:fld>
             <a:endParaRPr lang="en-US"/>
           </a:p>
@@ -2922,7 +2922,7 @@
           <a:p>
             <a:fld id="{BE5295ED-3BAF-1140-8495-3D368771D6B1}" type="datetimeFigureOut">
               <a:rPr lang="en-US" smtClean="0"/>
-              <a:t>3/26/21</a:t>
+              <a:t>1/25/2023</a:t>
             </a:fld>
             <a:endParaRPr lang="en-US"/>
           </a:p>
@@ -3213,7 +3213,7 @@
           <a:p>
             <a:fld id="{BE5295ED-3BAF-1140-8495-3D368771D6B1}" type="datetimeFigureOut">
               <a:rPr lang="en-US" smtClean="0"/>
-              <a:t>3/26/21</a:t>
+              <a:t>1/25/2023</a:t>
             </a:fld>
             <a:endParaRPr lang="en-US"/>
           </a:p>
@@ -3454,7 +3454,7 @@
           <a:p>
             <a:fld id="{BE5295ED-3BAF-1140-8495-3D368771D6B1}" type="datetimeFigureOut">
               <a:rPr lang="en-US" smtClean="0"/>
-              <a:t>3/26/21</a:t>
+              <a:t>1/25/2023</a:t>
             </a:fld>
             <a:endParaRPr lang="en-US"/>
           </a:p>
@@ -3994,9 +3994,10 @@
           <a:lstStyle/>
           <a:p>
             <a:r>
-              <a:rPr lang="en-US" dirty="0"/>
-              <a:t>Terence Parr</a:t>
-            </a:r>
+              <a:rPr lang="en-US"/>
+              <a:t>Mustafa Hajij</a:t>
+            </a:r>
+            <a:endParaRPr lang="en-US" dirty="0"/>
           </a:p>
           <a:p>
             <a:r>

--- a/notes/reading-code.pptx
+++ b/notes/reading-code.pptx
@@ -222,7 +222,7 @@
           <a:p>
             <a:fld id="{8A1B613A-EFF1-404F-BEE8-EFAE84A4E5E2}" type="datetimeFigureOut">
               <a:rPr lang="en-US" smtClean="0"/>
-              <a:t>1/25/2023</a:t>
+              <a:t>1/25/23</a:t>
             </a:fld>
             <a:endParaRPr lang="en-US"/>
           </a:p>
@@ -387,7 +387,7 @@
           <a:p>
             <a:fld id="{690847EA-AC25-3D4E-89E1-FD3F6A9702B6}" type="datetimeFigureOut">
               <a:rPr lang="en-US" smtClean="0"/>
-              <a:t>1/25/2023</a:t>
+              <a:t>1/25/23</a:t>
             </a:fld>
             <a:endParaRPr lang="en-US"/>
           </a:p>
@@ -801,7 +801,7 @@
           <a:p>
             <a:fld id="{BE5295ED-3BAF-1140-8495-3D368771D6B1}" type="datetimeFigureOut">
               <a:rPr lang="en-US" smtClean="0"/>
-              <a:t>1/25/2023</a:t>
+              <a:t>1/25/23</a:t>
             </a:fld>
             <a:endParaRPr lang="en-US"/>
           </a:p>
@@ -999,7 +999,7 @@
           <a:p>
             <a:fld id="{BE5295ED-3BAF-1140-8495-3D368771D6B1}" type="datetimeFigureOut">
               <a:rPr lang="en-US" smtClean="0"/>
-              <a:t>1/25/2023</a:t>
+              <a:t>1/25/23</a:t>
             </a:fld>
             <a:endParaRPr lang="en-US"/>
           </a:p>
@@ -1207,7 +1207,7 @@
           <a:p>
             <a:fld id="{BE5295ED-3BAF-1140-8495-3D368771D6B1}" type="datetimeFigureOut">
               <a:rPr lang="en-US" smtClean="0"/>
-              <a:t>1/25/2023</a:t>
+              <a:t>1/25/23</a:t>
             </a:fld>
             <a:endParaRPr lang="en-US"/>
           </a:p>
@@ -1405,7 +1405,7 @@
           <a:p>
             <a:fld id="{BE5295ED-3BAF-1140-8495-3D368771D6B1}" type="datetimeFigureOut">
               <a:rPr lang="en-US" smtClean="0"/>
-              <a:t>1/25/2023</a:t>
+              <a:t>1/25/23</a:t>
             </a:fld>
             <a:endParaRPr lang="en-US"/>
           </a:p>
@@ -1680,7 +1680,7 @@
           <a:p>
             <a:fld id="{BE5295ED-3BAF-1140-8495-3D368771D6B1}" type="datetimeFigureOut">
               <a:rPr lang="en-US" smtClean="0"/>
-              <a:t>1/25/2023</a:t>
+              <a:t>1/25/23</a:t>
             </a:fld>
             <a:endParaRPr lang="en-US"/>
           </a:p>
@@ -1945,7 +1945,7 @@
           <a:p>
             <a:fld id="{BE5295ED-3BAF-1140-8495-3D368771D6B1}" type="datetimeFigureOut">
               <a:rPr lang="en-US" smtClean="0"/>
-              <a:t>1/25/2023</a:t>
+              <a:t>1/25/23</a:t>
             </a:fld>
             <a:endParaRPr lang="en-US"/>
           </a:p>
@@ -2357,7 +2357,7 @@
           <a:p>
             <a:fld id="{BE5295ED-3BAF-1140-8495-3D368771D6B1}" type="datetimeFigureOut">
               <a:rPr lang="en-US" smtClean="0"/>
-              <a:t>1/25/2023</a:t>
+              <a:t>1/25/23</a:t>
             </a:fld>
             <a:endParaRPr lang="en-US"/>
           </a:p>
@@ -2498,7 +2498,7 @@
           <a:p>
             <a:fld id="{BE5295ED-3BAF-1140-8495-3D368771D6B1}" type="datetimeFigureOut">
               <a:rPr lang="en-US" smtClean="0"/>
-              <a:t>1/25/2023</a:t>
+              <a:t>1/25/23</a:t>
             </a:fld>
             <a:endParaRPr lang="en-US"/>
           </a:p>
@@ -2611,7 +2611,7 @@
           <a:p>
             <a:fld id="{BE5295ED-3BAF-1140-8495-3D368771D6B1}" type="datetimeFigureOut">
               <a:rPr lang="en-US" smtClean="0"/>
-              <a:t>1/25/2023</a:t>
+              <a:t>1/25/23</a:t>
             </a:fld>
             <a:endParaRPr lang="en-US"/>
           </a:p>
@@ -2922,7 +2922,7 @@
           <a:p>
             <a:fld id="{BE5295ED-3BAF-1140-8495-3D368771D6B1}" type="datetimeFigureOut">
               <a:rPr lang="en-US" smtClean="0"/>
-              <a:t>1/25/2023</a:t>
+              <a:t>1/25/23</a:t>
             </a:fld>
             <a:endParaRPr lang="en-US"/>
           </a:p>
@@ -3213,7 +3213,7 @@
           <a:p>
             <a:fld id="{BE5295ED-3BAF-1140-8495-3D368771D6B1}" type="datetimeFigureOut">
               <a:rPr lang="en-US" smtClean="0"/>
-              <a:t>1/25/2023</a:t>
+              <a:t>1/25/23</a:t>
             </a:fld>
             <a:endParaRPr lang="en-US"/>
           </a:p>
@@ -3454,7 +3454,7 @@
           <a:p>
             <a:fld id="{BE5295ED-3BAF-1140-8495-3D368771D6B1}" type="datetimeFigureOut">
               <a:rPr lang="en-US" smtClean="0"/>
-              <a:t>1/25/2023</a:t>
+              <a:t>1/25/23</a:t>
             </a:fld>
             <a:endParaRPr lang="en-US"/>
           </a:p>
@@ -6855,440 +6855,6 @@
           </a:p>
           <a:p>
             <a:endParaRPr lang="en-US" dirty="0"/>
-          </a:p>
-        </p:txBody>
-      </p:sp>
-      <p:sp>
-        <p:nvSpPr>
-          <p:cNvPr id="5" name="TextBox 4">
-            <a:extLst>
-              <a:ext uri="{FF2B5EF4-FFF2-40B4-BE49-F238E27FC236}">
-                <a16:creationId xmlns:a16="http://schemas.microsoft.com/office/drawing/2014/main" id="{9BBCB24D-CEBE-F04F-8D5B-61FE75BE8A68}"/>
-              </a:ext>
-            </a:extLst>
-          </p:cNvPr>
-          <p:cNvSpPr txBox="1"/>
-          <p:nvPr/>
-        </p:nvSpPr>
-        <p:spPr>
-          <a:xfrm>
-            <a:off x="1186069" y="4055887"/>
-            <a:ext cx="10283688" cy="769441"/>
-          </a:xfrm>
-          <a:prstGeom prst="rect">
-            <a:avLst/>
-          </a:prstGeom>
-          <a:noFill/>
-          <a:ln>
-            <a:solidFill>
-              <a:schemeClr val="accent1"/>
-            </a:solidFill>
-          </a:ln>
-        </p:spPr>
-        <p:txBody>
-          <a:bodyPr wrap="square" rtlCol="0">
-            <a:spAutoFit/>
-          </a:bodyPr>
-          <a:lstStyle/>
-          <a:p>
-            <a:r>
-              <a:rPr lang="ro-RO" sz="2200" dirty="0" err="1">
-                <a:latin typeface="Consolas" panose="020B0609020204030204" pitchFamily="49" charset="0"/>
-                <a:ea typeface="Monaco" charset="0"/>
-                <a:cs typeface="Consolas" panose="020B0609020204030204" pitchFamily="49" charset="0"/>
-              </a:rPr>
-              <a:t>df</a:t>
-            </a:r>
-            <a:r>
-              <a:rPr lang="ro-RO" sz="2200" dirty="0">
-                <a:latin typeface="Consolas" panose="020B0609020204030204" pitchFamily="49" charset="0"/>
-                <a:ea typeface="Monaco" charset="0"/>
-                <a:cs typeface="Consolas" panose="020B0609020204030204" pitchFamily="49" charset="0"/>
-              </a:rPr>
-              <a:t>['A'] = False</a:t>
-            </a:r>
-            <a:br>
-              <a:rPr lang="ro-RO" sz="2200" dirty="0">
-                <a:latin typeface="Consolas" panose="020B0609020204030204" pitchFamily="49" charset="0"/>
-                <a:ea typeface="Monaco" charset="0"/>
-                <a:cs typeface="Consolas" panose="020B0609020204030204" pitchFamily="49" charset="0"/>
-              </a:rPr>
-            </a:br>
-            <a:r>
-              <a:rPr lang="ro-RO" sz="2200" dirty="0" err="1">
-                <a:latin typeface="Consolas" panose="020B0609020204030204" pitchFamily="49" charset="0"/>
-                <a:ea typeface="Monaco" charset="0"/>
-                <a:cs typeface="Consolas" panose="020B0609020204030204" pitchFamily="49" charset="0"/>
-              </a:rPr>
-              <a:t>df.loc</a:t>
-            </a:r>
-            <a:r>
-              <a:rPr lang="ro-RO" sz="2200" dirty="0">
-                <a:latin typeface="Consolas" panose="020B0609020204030204" pitchFamily="49" charset="0"/>
-                <a:ea typeface="Monaco" charset="0"/>
-                <a:cs typeface="Consolas" panose="020B0609020204030204" pitchFamily="49" charset="0"/>
-              </a:rPr>
-              <a:t>[(</a:t>
-            </a:r>
-            <a:r>
-              <a:rPr lang="ro-RO" sz="2200" dirty="0" err="1">
-                <a:latin typeface="Consolas" panose="020B0609020204030204" pitchFamily="49" charset="0"/>
-                <a:ea typeface="Monaco" charset="0"/>
-                <a:cs typeface="Consolas" panose="020B0609020204030204" pitchFamily="49" charset="0"/>
-              </a:rPr>
-              <a:t>df</a:t>
-            </a:r>
-            <a:r>
-              <a:rPr lang="ro-RO" sz="2200" dirty="0">
-                <a:latin typeface="Consolas" panose="020B0609020204030204" pitchFamily="49" charset="0"/>
-                <a:ea typeface="Monaco" charset="0"/>
-                <a:cs typeface="Consolas" panose="020B0609020204030204" pitchFamily="49" charset="0"/>
-              </a:rPr>
-              <a:t>['</a:t>
-            </a:r>
-            <a:r>
-              <a:rPr lang="ro-RO" sz="2200" dirty="0" err="1">
-                <a:latin typeface="Consolas" panose="020B0609020204030204" pitchFamily="49" charset="0"/>
-                <a:ea typeface="Monaco" charset="0"/>
-                <a:cs typeface="Consolas" panose="020B0609020204030204" pitchFamily="49" charset="0"/>
-              </a:rPr>
-              <a:t>type</a:t>
-            </a:r>
-            <a:r>
-              <a:rPr lang="ro-RO" sz="2200" dirty="0">
-                <a:latin typeface="Consolas" panose="020B0609020204030204" pitchFamily="49" charset="0"/>
-                <a:ea typeface="Monaco" charset="0"/>
-                <a:cs typeface="Consolas" panose="020B0609020204030204" pitchFamily="49" charset="0"/>
-              </a:rPr>
-              <a:t>']=='</a:t>
-            </a:r>
-            <a:r>
-              <a:rPr lang="ro-RO" sz="2200" dirty="0" err="1">
-                <a:latin typeface="Consolas" panose="020B0609020204030204" pitchFamily="49" charset="0"/>
-                <a:ea typeface="Monaco" charset="0"/>
-                <a:cs typeface="Consolas" panose="020B0609020204030204" pitchFamily="49" charset="0"/>
-              </a:rPr>
-              <a:t>foo</a:t>
-            </a:r>
-            <a:r>
-              <a:rPr lang="ro-RO" sz="2200" dirty="0">
-                <a:latin typeface="Consolas" panose="020B0609020204030204" pitchFamily="49" charset="0"/>
-                <a:ea typeface="Monaco" charset="0"/>
-                <a:cs typeface="Consolas" panose="020B0609020204030204" pitchFamily="49" charset="0"/>
-              </a:rPr>
-              <a:t>')&amp;(</a:t>
-            </a:r>
-            <a:r>
-              <a:rPr lang="ro-RO" sz="2200" dirty="0" err="1">
-                <a:latin typeface="Consolas" panose="020B0609020204030204" pitchFamily="49" charset="0"/>
-                <a:ea typeface="Monaco" charset="0"/>
-                <a:cs typeface="Consolas" panose="020B0609020204030204" pitchFamily="49" charset="0"/>
-              </a:rPr>
-              <a:t>df</a:t>
-            </a:r>
-            <a:r>
-              <a:rPr lang="ro-RO" sz="2200" dirty="0">
-                <a:latin typeface="Consolas" panose="020B0609020204030204" pitchFamily="49" charset="0"/>
-                <a:ea typeface="Monaco" charset="0"/>
-                <a:cs typeface="Consolas" panose="020B0609020204030204" pitchFamily="49" charset="0"/>
-              </a:rPr>
-              <a:t>['</a:t>
-            </a:r>
-            <a:r>
-              <a:rPr lang="ro-RO" sz="2200" dirty="0" err="1">
-                <a:latin typeface="Consolas" panose="020B0609020204030204" pitchFamily="49" charset="0"/>
-                <a:ea typeface="Monaco" charset="0"/>
-                <a:cs typeface="Consolas" panose="020B0609020204030204" pitchFamily="49" charset="0"/>
-              </a:rPr>
-              <a:t>alt_aa</a:t>
-            </a:r>
-            <a:r>
-              <a:rPr lang="ro-RO" sz="2200" dirty="0">
-                <a:latin typeface="Consolas" panose="020B0609020204030204" pitchFamily="49" charset="0"/>
-                <a:ea typeface="Monaco" charset="0"/>
-                <a:cs typeface="Consolas" panose="020B0609020204030204" pitchFamily="49" charset="0"/>
-              </a:rPr>
-              <a:t>']==</a:t>
-            </a:r>
-            <a:r>
-              <a:rPr lang="ro-RO" sz="2200" dirty="0" err="1">
-                <a:latin typeface="Consolas" panose="020B0609020204030204" pitchFamily="49" charset="0"/>
-                <a:ea typeface="Monaco" charset="0"/>
-                <a:cs typeface="Consolas" panose="020B0609020204030204" pitchFamily="49" charset="0"/>
-              </a:rPr>
-              <a:t>df</a:t>
-            </a:r>
-            <a:r>
-              <a:rPr lang="ro-RO" sz="2200" dirty="0">
-                <a:latin typeface="Consolas" panose="020B0609020204030204" pitchFamily="49" charset="0"/>
-                <a:ea typeface="Monaco" charset="0"/>
-                <a:cs typeface="Consolas" panose="020B0609020204030204" pitchFamily="49" charset="0"/>
-              </a:rPr>
-              <a:t>['</a:t>
-            </a:r>
-            <a:r>
-              <a:rPr lang="ro-RO" sz="2200" dirty="0" err="1">
-                <a:latin typeface="Consolas" panose="020B0609020204030204" pitchFamily="49" charset="0"/>
-                <a:ea typeface="Monaco" charset="0"/>
-                <a:cs typeface="Consolas" panose="020B0609020204030204" pitchFamily="49" charset="0"/>
-              </a:rPr>
-              <a:t>ref_aa</a:t>
-            </a:r>
-            <a:r>
-              <a:rPr lang="ro-RO" sz="2200" dirty="0">
-                <a:latin typeface="Consolas" panose="020B0609020204030204" pitchFamily="49" charset="0"/>
-                <a:ea typeface="Monaco" charset="0"/>
-                <a:cs typeface="Consolas" panose="020B0609020204030204" pitchFamily="49" charset="0"/>
-              </a:rPr>
-              <a:t>']),'A']=</a:t>
-            </a:r>
-            <a:r>
-              <a:rPr lang="ro-RO" sz="2200" dirty="0" err="1">
-                <a:latin typeface="Consolas" panose="020B0609020204030204" pitchFamily="49" charset="0"/>
-                <a:ea typeface="Monaco" charset="0"/>
-                <a:cs typeface="Consolas" panose="020B0609020204030204" pitchFamily="49" charset="0"/>
-              </a:rPr>
-              <a:t>True</a:t>
-            </a:r>
-            <a:endParaRPr lang="ro-RO" sz="2200" dirty="0">
-              <a:latin typeface="Consolas" panose="020B0609020204030204" pitchFamily="49" charset="0"/>
-              <a:ea typeface="Monaco" charset="0"/>
-              <a:cs typeface="Consolas" panose="020B0609020204030204" pitchFamily="49" charset="0"/>
-            </a:endParaRPr>
-          </a:p>
-        </p:txBody>
-      </p:sp>
-      <p:sp>
-        <p:nvSpPr>
-          <p:cNvPr id="6" name="TextBox 5">
-            <a:extLst>
-              <a:ext uri="{FF2B5EF4-FFF2-40B4-BE49-F238E27FC236}">
-                <a16:creationId xmlns:a16="http://schemas.microsoft.com/office/drawing/2014/main" id="{26553C10-9391-D54E-ACB3-50E387C90F06}"/>
-              </a:ext>
-            </a:extLst>
-          </p:cNvPr>
-          <p:cNvSpPr txBox="1"/>
-          <p:nvPr/>
-        </p:nvSpPr>
-        <p:spPr>
-          <a:xfrm>
-            <a:off x="1186068" y="5610534"/>
-            <a:ext cx="10283687" cy="430887"/>
-          </a:xfrm>
-          <a:prstGeom prst="rect">
-            <a:avLst/>
-          </a:prstGeom>
-          <a:noFill/>
-          <a:ln>
-            <a:solidFill>
-              <a:schemeClr val="accent1"/>
-            </a:solidFill>
-          </a:ln>
-        </p:spPr>
-        <p:txBody>
-          <a:bodyPr wrap="square" rtlCol="0">
-            <a:spAutoFit/>
-          </a:bodyPr>
-          <a:lstStyle/>
-          <a:p>
-            <a:r>
-              <a:rPr lang="ro-RO" sz="2200" dirty="0" err="1">
-                <a:latin typeface="Consolas" panose="020B0609020204030204" pitchFamily="49" charset="0"/>
-                <a:ea typeface="Monaco" charset="0"/>
-                <a:cs typeface="Consolas" panose="020B0609020204030204" pitchFamily="49" charset="0"/>
-              </a:rPr>
-              <a:t>df</a:t>
-            </a:r>
-            <a:r>
-              <a:rPr lang="ro-RO" sz="2200" dirty="0">
-                <a:latin typeface="Consolas" panose="020B0609020204030204" pitchFamily="49" charset="0"/>
-                <a:ea typeface="Monaco" charset="0"/>
-                <a:cs typeface="Consolas" panose="020B0609020204030204" pitchFamily="49" charset="0"/>
-              </a:rPr>
-              <a:t>[‘A’] = (</a:t>
-            </a:r>
-            <a:r>
-              <a:rPr lang="ro-RO" sz="2200" dirty="0" err="1">
-                <a:latin typeface="Consolas" panose="020B0609020204030204" pitchFamily="49" charset="0"/>
-                <a:ea typeface="Monaco" charset="0"/>
-                <a:cs typeface="Consolas" panose="020B0609020204030204" pitchFamily="49" charset="0"/>
-              </a:rPr>
-              <a:t>df</a:t>
-            </a:r>
-            <a:r>
-              <a:rPr lang="ro-RO" sz="2200" dirty="0">
-                <a:latin typeface="Consolas" panose="020B0609020204030204" pitchFamily="49" charset="0"/>
-                <a:ea typeface="Monaco" charset="0"/>
-                <a:cs typeface="Consolas" panose="020B0609020204030204" pitchFamily="49" charset="0"/>
-              </a:rPr>
-              <a:t>[‘</a:t>
-            </a:r>
-            <a:r>
-              <a:rPr lang="ro-RO" sz="2200" dirty="0" err="1">
-                <a:latin typeface="Consolas" panose="020B0609020204030204" pitchFamily="49" charset="0"/>
-                <a:ea typeface="Monaco" charset="0"/>
-                <a:cs typeface="Consolas" panose="020B0609020204030204" pitchFamily="49" charset="0"/>
-              </a:rPr>
-              <a:t>type</a:t>
-            </a:r>
-            <a:r>
-              <a:rPr lang="ro-RO" sz="2200" dirty="0">
-                <a:latin typeface="Consolas" panose="020B0609020204030204" pitchFamily="49" charset="0"/>
-                <a:ea typeface="Monaco" charset="0"/>
-                <a:cs typeface="Consolas" panose="020B0609020204030204" pitchFamily="49" charset="0"/>
-              </a:rPr>
-              <a:t>’]==‘</a:t>
-            </a:r>
-            <a:r>
-              <a:rPr lang="ro-RO" sz="2200" dirty="0" err="1">
-                <a:latin typeface="Consolas" panose="020B0609020204030204" pitchFamily="49" charset="0"/>
-                <a:ea typeface="Monaco" charset="0"/>
-                <a:cs typeface="Consolas" panose="020B0609020204030204" pitchFamily="49" charset="0"/>
-              </a:rPr>
-              <a:t>foo</a:t>
-            </a:r>
-            <a:r>
-              <a:rPr lang="ro-RO" sz="2200" dirty="0">
-                <a:latin typeface="Consolas" panose="020B0609020204030204" pitchFamily="49" charset="0"/>
-                <a:ea typeface="Monaco" charset="0"/>
-                <a:cs typeface="Consolas" panose="020B0609020204030204" pitchFamily="49" charset="0"/>
-              </a:rPr>
-              <a:t>’)&amp;(</a:t>
-            </a:r>
-            <a:r>
-              <a:rPr lang="ro-RO" sz="2200" dirty="0" err="1">
-                <a:latin typeface="Consolas" panose="020B0609020204030204" pitchFamily="49" charset="0"/>
-                <a:ea typeface="Monaco" charset="0"/>
-                <a:cs typeface="Consolas" panose="020B0609020204030204" pitchFamily="49" charset="0"/>
-              </a:rPr>
-              <a:t>df</a:t>
-            </a:r>
-            <a:r>
-              <a:rPr lang="ro-RO" sz="2200" dirty="0">
-                <a:latin typeface="Consolas" panose="020B0609020204030204" pitchFamily="49" charset="0"/>
-                <a:ea typeface="Monaco" charset="0"/>
-                <a:cs typeface="Consolas" panose="020B0609020204030204" pitchFamily="49" charset="0"/>
-              </a:rPr>
-              <a:t>[‘</a:t>
-            </a:r>
-            <a:r>
-              <a:rPr lang="ro-RO" sz="2200" dirty="0" err="1">
-                <a:latin typeface="Consolas" panose="020B0609020204030204" pitchFamily="49" charset="0"/>
-                <a:ea typeface="Monaco" charset="0"/>
-                <a:cs typeface="Consolas" panose="020B0609020204030204" pitchFamily="49" charset="0"/>
-              </a:rPr>
-              <a:t>ref_aa</a:t>
-            </a:r>
-            <a:r>
-              <a:rPr lang="ro-RO" sz="2200" dirty="0">
-                <a:latin typeface="Consolas" panose="020B0609020204030204" pitchFamily="49" charset="0"/>
-                <a:ea typeface="Monaco" charset="0"/>
-                <a:cs typeface="Consolas" panose="020B0609020204030204" pitchFamily="49" charset="0"/>
-              </a:rPr>
-              <a:t>’]==</a:t>
-            </a:r>
-            <a:r>
-              <a:rPr lang="ro-RO" sz="2200" dirty="0" err="1">
-                <a:latin typeface="Consolas" panose="020B0609020204030204" pitchFamily="49" charset="0"/>
-                <a:ea typeface="Monaco" charset="0"/>
-                <a:cs typeface="Consolas" panose="020B0609020204030204" pitchFamily="49" charset="0"/>
-              </a:rPr>
-              <a:t>df</a:t>
-            </a:r>
-            <a:r>
-              <a:rPr lang="ro-RO" sz="2200" dirty="0">
-                <a:latin typeface="Consolas" panose="020B0609020204030204" pitchFamily="49" charset="0"/>
-                <a:ea typeface="Monaco" charset="0"/>
-                <a:cs typeface="Consolas" panose="020B0609020204030204" pitchFamily="49" charset="0"/>
-              </a:rPr>
-              <a:t>[‘</a:t>
-            </a:r>
-            <a:r>
-              <a:rPr lang="ro-RO" sz="2200" dirty="0" err="1">
-                <a:latin typeface="Consolas" panose="020B0609020204030204" pitchFamily="49" charset="0"/>
-                <a:ea typeface="Monaco" charset="0"/>
-                <a:cs typeface="Consolas" panose="020B0609020204030204" pitchFamily="49" charset="0"/>
-              </a:rPr>
-              <a:t>alt_aa</a:t>
-            </a:r>
-            <a:r>
-              <a:rPr lang="ro-RO" sz="2200" dirty="0">
-                <a:latin typeface="Consolas" panose="020B0609020204030204" pitchFamily="49" charset="0"/>
-                <a:ea typeface="Monaco" charset="0"/>
-                <a:cs typeface="Consolas" panose="020B0609020204030204" pitchFamily="49" charset="0"/>
-              </a:rPr>
-              <a:t>’])</a:t>
-            </a:r>
-          </a:p>
-        </p:txBody>
-      </p:sp>
-      <p:sp>
-        <p:nvSpPr>
-          <p:cNvPr id="9" name="TextBox 8">
-            <a:extLst>
-              <a:ext uri="{FF2B5EF4-FFF2-40B4-BE49-F238E27FC236}">
-                <a16:creationId xmlns:a16="http://schemas.microsoft.com/office/drawing/2014/main" id="{4815E8BF-2702-E64A-9CC2-926D0A79F247}"/>
-              </a:ext>
-            </a:extLst>
-          </p:cNvPr>
-          <p:cNvSpPr txBox="1"/>
-          <p:nvPr/>
-        </p:nvSpPr>
-        <p:spPr>
-          <a:xfrm>
-            <a:off x="67142" y="3978942"/>
-            <a:ext cx="1037733" cy="923330"/>
-          </a:xfrm>
-          <a:prstGeom prst="rect">
-            <a:avLst/>
-          </a:prstGeom>
-          <a:noFill/>
-        </p:spPr>
-        <p:txBody>
-          <a:bodyPr wrap="square" rtlCol="0">
-            <a:spAutoFit/>
-          </a:bodyPr>
-          <a:lstStyle/>
-          <a:p>
-            <a:r>
-              <a:rPr lang="en-US" dirty="0"/>
-              <a:t>Student was doing</a:t>
-            </a:r>
-          </a:p>
-        </p:txBody>
-      </p:sp>
-      <p:sp>
-        <p:nvSpPr>
-          <p:cNvPr id="11" name="TextBox 10">
-            <a:extLst>
-              <a:ext uri="{FF2B5EF4-FFF2-40B4-BE49-F238E27FC236}">
-                <a16:creationId xmlns:a16="http://schemas.microsoft.com/office/drawing/2014/main" id="{F166AB50-847D-C94F-9AD9-D0929351AB8A}"/>
-              </a:ext>
-            </a:extLst>
-          </p:cNvPr>
-          <p:cNvSpPr txBox="1"/>
-          <p:nvPr/>
-        </p:nvSpPr>
-        <p:spPr>
-          <a:xfrm>
-            <a:off x="67142" y="5364312"/>
-            <a:ext cx="1037733" cy="923330"/>
-          </a:xfrm>
-          <a:prstGeom prst="rect">
-            <a:avLst/>
-          </a:prstGeom>
-          <a:noFill/>
-        </p:spPr>
-        <p:txBody>
-          <a:bodyPr wrap="square" rtlCol="0">
-            <a:spAutoFit/>
-          </a:bodyPr>
-          <a:lstStyle/>
-          <a:p>
-            <a:r>
-              <a:rPr lang="en-US" dirty="0"/>
-              <a:t>Later, they saw this</a:t>
-            </a:r>
           </a:p>
         </p:txBody>
       </p:sp>
